--- a/Documentacion/Ahorrando Ando.pptx
+++ b/Documentacion/Ahorrando Ando.pptx
@@ -109,6 +109,11 @@
       </a:defRPr>
     </a:lvl9pPr>
   </p:defaultTextStyle>
+  <p:extLst>
+    <p:ext uri="{EFAFB233-063F-42B5-8137-9DF3F51BA10A}">
+      <p15:sldGuideLst xmlns:p15="http://schemas.microsoft.com/office/powerpoint/2012/main"/>
+    </p:ext>
+  </p:extLst>
 </p:presentation>
 </file>
 
@@ -6149,7 +6154,7 @@
       </p:sp>
       <p:pic>
         <p:nvPicPr>
-          <p:cNvPr id="7" name="Marcador de contenido 6"/>
+          <p:cNvPr id="5" name="Marcador de contenido 4"/>
           <p:cNvPicPr>
             <a:picLocks noGrp="1" noChangeAspect="1"/>
           </p:cNvPicPr>
@@ -6171,8 +6176,8 @@
         </p:blipFill>
         <p:spPr>
           <a:xfrm>
-            <a:off x="498911" y="1270000"/>
-            <a:ext cx="8568000" cy="4819501"/>
+            <a:off x="431129" y="1386864"/>
+            <a:ext cx="8568000" cy="4823076"/>
           </a:xfrm>
         </p:spPr>
       </p:pic>
@@ -6238,7 +6243,7 @@
       </p:sp>
       <p:pic>
         <p:nvPicPr>
-          <p:cNvPr id="5" name="Marcador de contenido 4"/>
+          <p:cNvPr id="6" name="Marcador de contenido 5"/>
           <p:cNvPicPr>
             <a:picLocks noGrp="1" noChangeAspect="1"/>
           </p:cNvPicPr>
@@ -6260,8 +6265,8 @@
         </p:blipFill>
         <p:spPr>
           <a:xfrm>
-            <a:off x="470776" y="1499406"/>
-            <a:ext cx="8568000" cy="4819501"/>
+            <a:off x="653337" y="1386864"/>
+            <a:ext cx="8620665" cy="4824000"/>
           </a:xfrm>
         </p:spPr>
       </p:pic>
@@ -6327,7 +6332,7 @@
       </p:sp>
       <p:pic>
         <p:nvPicPr>
-          <p:cNvPr id="7" name="Marcador de contenido 6"/>
+          <p:cNvPr id="4" name="Marcador de contenido 3"/>
           <p:cNvPicPr>
             <a:picLocks noGrp="1" noChangeAspect="1"/>
           </p:cNvPicPr>
@@ -6349,8 +6354,8 @@
         </p:blipFill>
         <p:spPr>
           <a:xfrm>
-            <a:off x="677334" y="1270000"/>
-            <a:ext cx="8568000" cy="4819501"/>
+            <a:off x="652002" y="1270000"/>
+            <a:ext cx="8622000" cy="4860485"/>
           </a:xfrm>
         </p:spPr>
       </p:pic>
